--- a/Chanco_STA6206_BDA_2019_Henrion_Practical5.pptx
+++ b/Chanco_STA6206_BDA_2019_Henrion_Practical5.pptx
@@ -2959,14 +2959,6 @@
               <a:rPr/>
               <a:t>5</a:t>
             </a:r>
-            <a:r>
-              <a:rPr/>
-              <a:t> </a:t>
-            </a:r>
-            <a:r>
-              <a:rPr/>
-              <a:t>(Solutions)</a:t>
-            </a:r>
           </a:p>
         </p:txBody>
       </p:sp>
